--- a/02_fire/Phaser.pptx
+++ b/02_fire/Phaser.pptx
@@ -23,6 +23,7 @@
     <p:sldId id="273" r:id="rId17"/>
     <p:sldId id="274" r:id="rId18"/>
     <p:sldId id="266" r:id="rId19"/>
+    <p:sldId id="275" r:id="rId20"/>
   </p:sldIdLst>
   <p:sldSz cx="12192000" cy="6858000"/>
   <p:notesSz cx="6858000" cy="9144000"/>
@@ -358,7 +359,7 @@
           <a:p>
             <a:fld id="{D3CC5317-9BFC-402C-B5CB-7092A62F1F2B}" type="datetimeFigureOut">
               <a:rPr lang="zh-TW" altLang="en-US" smtClean="0"/>
-              <a:t>2016/3/15</a:t>
+              <a:t>2016/3/16</a:t>
             </a:fld>
             <a:endParaRPr lang="zh-TW" altLang="en-US"/>
           </a:p>
@@ -692,7 +693,7 @@
           <a:p>
             <a:fld id="{D3CC5317-9BFC-402C-B5CB-7092A62F1F2B}" type="datetimeFigureOut">
               <a:rPr lang="zh-TW" altLang="en-US" smtClean="0"/>
-              <a:t>2016/3/15</a:t>
+              <a:t>2016/3/16</a:t>
             </a:fld>
             <a:endParaRPr lang="zh-TW" altLang="en-US"/>
           </a:p>
@@ -970,7 +971,7 @@
           <a:p>
             <a:fld id="{D3CC5317-9BFC-402C-B5CB-7092A62F1F2B}" type="datetimeFigureOut">
               <a:rPr lang="zh-TW" altLang="en-US" smtClean="0"/>
-              <a:t>2016/3/15</a:t>
+              <a:t>2016/3/16</a:t>
             </a:fld>
             <a:endParaRPr lang="zh-TW" altLang="en-US"/>
           </a:p>
@@ -1538,7 +1539,7 @@
           <a:p>
             <a:fld id="{D3CC5317-9BFC-402C-B5CB-7092A62F1F2B}" type="datetimeFigureOut">
               <a:rPr lang="zh-TW" altLang="en-US" smtClean="0"/>
-              <a:t>2016/3/15</a:t>
+              <a:t>2016/3/16</a:t>
             </a:fld>
             <a:endParaRPr lang="zh-TW" altLang="en-US"/>
           </a:p>
@@ -1816,7 +1817,7 @@
           <a:p>
             <a:fld id="{D3CC5317-9BFC-402C-B5CB-7092A62F1F2B}" type="datetimeFigureOut">
               <a:rPr lang="zh-TW" altLang="en-US" smtClean="0"/>
-              <a:t>2016/3/15</a:t>
+              <a:t>2016/3/16</a:t>
             </a:fld>
             <a:endParaRPr lang="zh-TW" altLang="en-US"/>
           </a:p>
@@ -2378,7 +2379,7 @@
           <a:p>
             <a:fld id="{D3CC5317-9BFC-402C-B5CB-7092A62F1F2B}" type="datetimeFigureOut">
               <a:rPr lang="zh-TW" altLang="en-US" smtClean="0"/>
-              <a:t>2016/3/15</a:t>
+              <a:t>2016/3/16</a:t>
             </a:fld>
             <a:endParaRPr lang="zh-TW" altLang="en-US"/>
           </a:p>
@@ -2705,7 +2706,7 @@
           <a:p>
             <a:fld id="{D3CC5317-9BFC-402C-B5CB-7092A62F1F2B}" type="datetimeFigureOut">
               <a:rPr lang="zh-TW" altLang="en-US" smtClean="0"/>
-              <a:t>2016/3/15</a:t>
+              <a:t>2016/3/16</a:t>
             </a:fld>
             <a:endParaRPr lang="zh-TW" altLang="en-US"/>
           </a:p>
@@ -2882,7 +2883,7 @@
           <a:p>
             <a:fld id="{D3CC5317-9BFC-402C-B5CB-7092A62F1F2B}" type="datetimeFigureOut">
               <a:rPr lang="zh-TW" altLang="en-US" smtClean="0"/>
-              <a:t>2016/3/15</a:t>
+              <a:t>2016/3/16</a:t>
             </a:fld>
             <a:endParaRPr lang="zh-TW" altLang="en-US"/>
           </a:p>
@@ -3120,7 +3121,7 @@
           <a:p>
             <a:fld id="{D3CC5317-9BFC-402C-B5CB-7092A62F1F2B}" type="datetimeFigureOut">
               <a:rPr lang="zh-TW" altLang="en-US" smtClean="0"/>
-              <a:t>2016/3/15</a:t>
+              <a:t>2016/3/16</a:t>
             </a:fld>
             <a:endParaRPr lang="zh-TW" altLang="en-US"/>
           </a:p>
@@ -3320,7 +3321,7 @@
           <a:p>
             <a:fld id="{D3CC5317-9BFC-402C-B5CB-7092A62F1F2B}" type="datetimeFigureOut">
               <a:rPr lang="zh-TW" altLang="en-US" smtClean="0"/>
-              <a:t>2016/3/15</a:t>
+              <a:t>2016/3/16</a:t>
             </a:fld>
             <a:endParaRPr lang="zh-TW" altLang="en-US"/>
           </a:p>
@@ -3596,7 +3597,7 @@
           <a:p>
             <a:fld id="{D3CC5317-9BFC-402C-B5CB-7092A62F1F2B}" type="datetimeFigureOut">
               <a:rPr lang="zh-TW" altLang="en-US" smtClean="0"/>
-              <a:t>2016/3/15</a:t>
+              <a:t>2016/3/16</a:t>
             </a:fld>
             <a:endParaRPr lang="zh-TW" altLang="en-US"/>
           </a:p>
@@ -3862,7 +3863,7 @@
           <a:p>
             <a:fld id="{D3CC5317-9BFC-402C-B5CB-7092A62F1F2B}" type="datetimeFigureOut">
               <a:rPr lang="zh-TW" altLang="en-US" smtClean="0"/>
-              <a:t>2016/3/15</a:t>
+              <a:t>2016/3/16</a:t>
             </a:fld>
             <a:endParaRPr lang="zh-TW" altLang="en-US"/>
           </a:p>
@@ -4236,7 +4237,7 @@
           <a:p>
             <a:fld id="{D3CC5317-9BFC-402C-B5CB-7092A62F1F2B}" type="datetimeFigureOut">
               <a:rPr lang="zh-TW" altLang="en-US" smtClean="0"/>
-              <a:t>2016/3/15</a:t>
+              <a:t>2016/3/16</a:t>
             </a:fld>
             <a:endParaRPr lang="zh-TW" altLang="en-US"/>
           </a:p>
@@ -4384,7 +4385,7 @@
           <a:p>
             <a:fld id="{D3CC5317-9BFC-402C-B5CB-7092A62F1F2B}" type="datetimeFigureOut">
               <a:rPr lang="zh-TW" altLang="en-US" smtClean="0"/>
-              <a:t>2016/3/15</a:t>
+              <a:t>2016/3/16</a:t>
             </a:fld>
             <a:endParaRPr lang="zh-TW" altLang="en-US"/>
           </a:p>
@@ -4509,7 +4510,7 @@
           <a:p>
             <a:fld id="{D3CC5317-9BFC-402C-B5CB-7092A62F1F2B}" type="datetimeFigureOut">
               <a:rPr lang="zh-TW" altLang="en-US" smtClean="0"/>
-              <a:t>2016/3/15</a:t>
+              <a:t>2016/3/16</a:t>
             </a:fld>
             <a:endParaRPr lang="zh-TW" altLang="en-US"/>
           </a:p>
@@ -4794,7 +4795,7 @@
           <a:p>
             <a:fld id="{D3CC5317-9BFC-402C-B5CB-7092A62F1F2B}" type="datetimeFigureOut">
               <a:rPr lang="zh-TW" altLang="en-US" smtClean="0"/>
-              <a:t>2016/3/15</a:t>
+              <a:t>2016/3/16</a:t>
             </a:fld>
             <a:endParaRPr lang="zh-TW" altLang="en-US"/>
           </a:p>
@@ -5118,7 +5119,7 @@
           <a:p>
             <a:fld id="{D3CC5317-9BFC-402C-B5CB-7092A62F1F2B}" type="datetimeFigureOut">
               <a:rPr lang="zh-TW" altLang="en-US" smtClean="0"/>
-              <a:t>2016/3/15</a:t>
+              <a:t>2016/3/16</a:t>
             </a:fld>
             <a:endParaRPr lang="zh-TW" altLang="en-US"/>
           </a:p>
@@ -5332,7 +5333,7 @@
           <a:p>
             <a:fld id="{D3CC5317-9BFC-402C-B5CB-7092A62F1F2B}" type="datetimeFigureOut">
               <a:rPr lang="zh-TW" altLang="en-US" smtClean="0"/>
-              <a:t>2016/3/15</a:t>
+              <a:t>2016/3/16</a:t>
             </a:fld>
             <a:endParaRPr lang="zh-TW" altLang="en-US"/>
           </a:p>
@@ -6352,14 +6353,7 @@
                 <a:latin typeface="Consolas" panose="020B0609020204030204" pitchFamily="49" charset="0"/>
                 <a:cs typeface="Consolas" panose="020B0609020204030204" pitchFamily="49" charset="0"/>
               </a:rPr>
-              <a:t>建立</a:t>
-            </a:r>
-            <a:r>
-              <a:rPr lang="zh-TW" altLang="en-US" sz="4400" dirty="0" smtClean="0">
-                <a:latin typeface="Consolas" panose="020B0609020204030204" pitchFamily="49" charset="0"/>
-                <a:cs typeface="Consolas" panose="020B0609020204030204" pitchFamily="49" charset="0"/>
-              </a:rPr>
-              <a:t>變數</a:t>
+              <a:t>建立變數</a:t>
             </a:r>
             <a:r>
               <a:rPr lang="en-US" altLang="zh-TW" dirty="0" smtClean="0">
@@ -7471,6 +7465,150 @@
       </p:par>
     </p:tnLst>
   </p:timing>
+</p:sld>
+</file>
+
+<file path=ppt/slides/slide19.xml><?xml version="1.0" encoding="utf-8"?>
+<p:sld xmlns:a="http://schemas.openxmlformats.org/drawingml/2006/main" xmlns:r="http://schemas.openxmlformats.org/officeDocument/2006/relationships" xmlns:p="http://schemas.openxmlformats.org/presentationml/2006/main">
+  <p:cSld>
+    <p:spTree>
+      <p:nvGrpSpPr>
+        <p:cNvPr id="1" name=""/>
+        <p:cNvGrpSpPr/>
+        <p:nvPr/>
+      </p:nvGrpSpPr>
+      <p:grpSpPr>
+        <a:xfrm>
+          <a:off x="0" y="0"/>
+          <a:ext cx="0" cy="0"/>
+          <a:chOff x="0" y="0"/>
+          <a:chExt cx="0" cy="0"/>
+        </a:xfrm>
+      </p:grpSpPr>
+      <p:sp>
+        <p:nvSpPr>
+          <p:cNvPr id="2" name="標題 1"/>
+          <p:cNvSpPr>
+            <a:spLocks noGrp="1"/>
+          </p:cNvSpPr>
+          <p:nvPr>
+            <p:ph type="title"/>
+          </p:nvPr>
+        </p:nvSpPr>
+        <p:spPr>
+          <a:xfrm>
+            <a:off x="741219" y="3408219"/>
+            <a:ext cx="10131425" cy="1456267"/>
+          </a:xfrm>
+        </p:spPr>
+        <p:txBody>
+          <a:bodyPr>
+            <a:normAutofit fontScale="90000"/>
+          </a:bodyPr>
+          <a:lstStyle/>
+          <a:p>
+            <a:pPr algn="ctr"/>
+            <a:r>
+              <a:rPr lang="en-US" altLang="zh-TW" b="1" dirty="0">
+                <a:hlinkClick r:id="rId2"/>
+              </a:rPr>
+              <a:t>fb.me/</a:t>
+            </a:r>
+            <a:r>
+              <a:rPr lang="en-US" altLang="zh-TW" b="1" dirty="0" err="1">
+                <a:hlinkClick r:id="rId2"/>
+              </a:rPr>
+              <a:t>it.nchu</a:t>
+            </a:r>
+            <a:r>
+              <a:rPr lang="en-US" altLang="zh-TW" b="1" dirty="0"/>
+              <a:t/>
+            </a:r>
+            <a:br>
+              <a:rPr lang="en-US" altLang="zh-TW" b="1" dirty="0"/>
+            </a:br>
+            <a:r>
+              <a:rPr lang="en-US" altLang="zh-TW" b="1" dirty="0">
+                <a:hlinkClick r:id="rId3"/>
+              </a:rPr>
+              <a:t>nchuit.cc</a:t>
+            </a:r>
+            <a:r>
+              <a:rPr lang="en-US" altLang="zh-TW" b="1" dirty="0"/>
+              <a:t/>
+            </a:r>
+            <a:br>
+              <a:rPr lang="en-US" altLang="zh-TW" b="1" dirty="0"/>
+            </a:br>
+            <a:r>
+              <a:rPr lang="zh-TW" altLang="en-US" b="1" dirty="0" smtClean="0"/>
+              <a:t>來加入我們吧 </a:t>
+            </a:r>
+            <a:r>
+              <a:rPr lang="en-US" altLang="zh-TW" b="1" dirty="0" err="1" smtClean="0"/>
+              <a:t>yee</a:t>
+            </a:r>
+            <a:r>
+              <a:rPr lang="en-US" altLang="zh-TW" b="1" dirty="0" smtClean="0"/>
+              <a:t>~</a:t>
+            </a:r>
+            <a:endParaRPr lang="zh-TW" altLang="en-US" dirty="0"/>
+          </a:p>
+        </p:txBody>
+      </p:sp>
+      <p:pic>
+        <p:nvPicPr>
+          <p:cNvPr id="1026" name="Picture 2" descr="hey hey"/>
+          <p:cNvPicPr>
+            <a:picLocks noGrp="1" noChangeAspect="1" noChangeArrowheads="1" noCrop="1"/>
+          </p:cNvPicPr>
+          <p:nvPr>
+            <p:ph idx="1"/>
+          </p:nvPr>
+        </p:nvPicPr>
+        <p:blipFill>
+          <a:blip r:embed="rId4">
+            <a:extLst>
+              <a:ext uri="{28A0092B-C50C-407E-A947-70E740481C1C}">
+                <a14:useLocalDpi xmlns:a14="http://schemas.microsoft.com/office/drawing/2010/main" val="0"/>
+              </a:ext>
+            </a:extLst>
+          </a:blip>
+          <a:srcRect/>
+          <a:stretch>
+            <a:fillRect/>
+          </a:stretch>
+        </p:blipFill>
+        <p:spPr bwMode="auto">
+          <a:xfrm>
+            <a:off x="4140056" y="586726"/>
+            <a:ext cx="3333750" cy="2381250"/>
+          </a:xfrm>
+          <a:prstGeom prst="rect">
+            <a:avLst/>
+          </a:prstGeom>
+          <a:noFill/>
+          <a:extLst>
+            <a:ext uri="{909E8E84-426E-40DD-AFC4-6F175D3DCCD1}">
+              <a14:hiddenFill xmlns:a14="http://schemas.microsoft.com/office/drawing/2010/main">
+                <a:solidFill>
+                  <a:srgbClr val="FFFFFF"/>
+                </a:solidFill>
+              </a14:hiddenFill>
+            </a:ext>
+          </a:extLst>
+        </p:spPr>
+      </p:pic>
+    </p:spTree>
+    <p:extLst>
+      <p:ext uri="{BB962C8B-B14F-4D97-AF65-F5344CB8AC3E}">
+        <p14:creationId xmlns:p14="http://schemas.microsoft.com/office/powerpoint/2010/main" val="1822322699"/>
+      </p:ext>
+    </p:extLst>
+  </p:cSld>
+  <p:clrMapOvr>
+    <a:masterClrMapping/>
+  </p:clrMapOvr>
 </p:sld>
 </file>
 

--- a/02_fire/Phaser.pptx
+++ b/02_fire/Phaser.pptx
@@ -5873,14 +5873,23 @@
               <a:rPr lang="en-US" altLang="zh-TW" dirty="0" smtClean="0"/>
             </a:br>
             <a:r>
-              <a:rPr lang="zh-TW" altLang="en-US" dirty="0" smtClean="0"/>
+              <a:rPr lang="zh-TW" altLang="en-US" dirty="0" smtClean="0">
+                <a:latin typeface="微軟正黑體" panose="020B0604030504040204" pitchFamily="34" charset="-120"/>
+                <a:ea typeface="微軟正黑體" panose="020B0604030504040204" pitchFamily="34" charset="-120"/>
+              </a:rPr>
               <a:t>坦克大戰</a:t>
             </a:r>
             <a:r>
-              <a:rPr lang="en-US" altLang="zh-TW" dirty="0" smtClean="0"/>
+              <a:rPr lang="en-US" altLang="zh-TW" dirty="0" smtClean="0">
+                <a:latin typeface="微軟正黑體" panose="020B0604030504040204" pitchFamily="34" charset="-120"/>
+                <a:ea typeface="微軟正黑體" panose="020B0604030504040204" pitchFamily="34" charset="-120"/>
+              </a:rPr>
               <a:t>-I</a:t>
             </a:r>
-            <a:endParaRPr lang="zh-TW" altLang="en-US" dirty="0"/>
+            <a:endParaRPr lang="zh-TW" altLang="en-US" dirty="0">
+              <a:latin typeface="微軟正黑體" panose="020B0604030504040204" pitchFamily="34" charset="-120"/>
+              <a:ea typeface="微軟正黑體" panose="020B0604030504040204" pitchFamily="34" charset="-120"/>
+            </a:endParaRPr>
           </a:p>
         </p:txBody>
       </p:sp>
@@ -5988,7 +5997,8 @@
             </a:r>
             <a:r>
               <a:rPr lang="zh-TW" altLang="en-US" sz="2800" dirty="0">
-                <a:latin typeface="Consolas" panose="020B0609020204030204" pitchFamily="49" charset="0"/>
+                <a:latin typeface="微軟正黑體" panose="020B0604030504040204" pitchFamily="34" charset="-120"/>
+                <a:ea typeface="微軟正黑體" panose="020B0604030504040204" pitchFamily="34" charset="-120"/>
                 <a:cs typeface="Consolas" panose="020B0609020204030204" pitchFamily="49" charset="0"/>
               </a:rPr>
               <a:t>慢慢減射擊時間</a:t>
@@ -6047,7 +6057,8 @@
             </a:r>
             <a:r>
               <a:rPr lang="zh-TW" altLang="en-US" sz="2800" dirty="0">
-                <a:latin typeface="Consolas" panose="020B0609020204030204" pitchFamily="49" charset="0"/>
+                <a:latin typeface="微軟正黑體" panose="020B0604030504040204" pitchFamily="34" charset="-120"/>
+                <a:ea typeface="微軟正黑體" panose="020B0604030504040204" pitchFamily="34" charset="-120"/>
                 <a:cs typeface="Consolas" panose="020B0609020204030204" pitchFamily="49" charset="0"/>
               </a:rPr>
               <a:t>判斷砲彈和牆壁有無碰撞</a:t>
@@ -6350,7 +6361,8 @@
             </a:r>
             <a:r>
               <a:rPr lang="zh-TW" altLang="en-US" sz="4400" dirty="0" smtClean="0">
-                <a:latin typeface="Consolas" panose="020B0609020204030204" pitchFamily="49" charset="0"/>
+                <a:latin typeface="微軟正黑體" panose="020B0604030504040204" pitchFamily="34" charset="-120"/>
+                <a:ea typeface="微軟正黑體" panose="020B0604030504040204" pitchFamily="34" charset="-120"/>
                 <a:cs typeface="Consolas" panose="020B0609020204030204" pitchFamily="49" charset="0"/>
               </a:rPr>
               <a:t>建立變數</a:t>
@@ -6636,7 +6648,8 @@
             </a:r>
             <a:r>
               <a:rPr lang="zh-TW" altLang="en-US" sz="4400" dirty="0" smtClean="0">
-                <a:latin typeface="Consolas" panose="020B0609020204030204" pitchFamily="49" charset="0"/>
+                <a:latin typeface="微軟正黑體" panose="020B0604030504040204" pitchFamily="34" charset="-120"/>
+                <a:ea typeface="微軟正黑體" panose="020B0604030504040204" pitchFamily="34" charset="-120"/>
                 <a:cs typeface="Consolas" panose="020B0609020204030204" pitchFamily="49" charset="0"/>
               </a:rPr>
               <a:t>設定錨點</a:t>
@@ -7541,18 +7554,30 @@
               <a:rPr lang="en-US" altLang="zh-TW" b="1" dirty="0"/>
             </a:br>
             <a:r>
-              <a:rPr lang="zh-TW" altLang="en-US" b="1" dirty="0" smtClean="0"/>
+              <a:rPr lang="zh-TW" altLang="en-US" b="1" dirty="0" smtClean="0">
+                <a:latin typeface="微軟正黑體" panose="020B0604030504040204" pitchFamily="34" charset="-120"/>
+                <a:ea typeface="微軟正黑體" panose="020B0604030504040204" pitchFamily="34" charset="-120"/>
+              </a:rPr>
               <a:t>來加入我們吧 </a:t>
             </a:r>
             <a:r>
-              <a:rPr lang="en-US" altLang="zh-TW" b="1" dirty="0" err="1" smtClean="0"/>
+              <a:rPr lang="en-US" altLang="zh-TW" b="1" dirty="0" err="1" smtClean="0">
+                <a:latin typeface="微軟正黑體" panose="020B0604030504040204" pitchFamily="34" charset="-120"/>
+                <a:ea typeface="微軟正黑體" panose="020B0604030504040204" pitchFamily="34" charset="-120"/>
+              </a:rPr>
               <a:t>yee</a:t>
             </a:r>
             <a:r>
-              <a:rPr lang="en-US" altLang="zh-TW" b="1" dirty="0" smtClean="0"/>
+              <a:rPr lang="en-US" altLang="zh-TW" b="1" dirty="0" smtClean="0">
+                <a:latin typeface="微軟正黑體" panose="020B0604030504040204" pitchFamily="34" charset="-120"/>
+                <a:ea typeface="微軟正黑體" panose="020B0604030504040204" pitchFamily="34" charset="-120"/>
+              </a:rPr>
               <a:t>~</a:t>
             </a:r>
-            <a:endParaRPr lang="zh-TW" altLang="en-US" dirty="0"/>
+            <a:endParaRPr lang="zh-TW" altLang="en-US" dirty="0">
+              <a:latin typeface="微軟正黑體" panose="020B0604030504040204" pitchFamily="34" charset="-120"/>
+              <a:ea typeface="微軟正黑體" panose="020B0604030504040204" pitchFamily="34" charset="-120"/>
+            </a:endParaRPr>
           </a:p>
         </p:txBody>
       </p:sp>
@@ -7705,7 +7730,8 @@
             </a:r>
             <a:r>
               <a:rPr lang="zh-TW" altLang="en-US" sz="4800" dirty="0">
-                <a:latin typeface="Consolas" panose="020B0609020204030204" pitchFamily="49" charset="0"/>
+                <a:latin typeface="微軟正黑體" panose="020B0604030504040204" pitchFamily="34" charset="-120"/>
+                <a:ea typeface="微軟正黑體" panose="020B0604030504040204" pitchFamily="34" charset="-120"/>
                 <a:cs typeface="Consolas" panose="020B0609020204030204" pitchFamily="49" charset="0"/>
               </a:rPr>
               <a:t>讀取圖片</a:t>
@@ -7745,7 +7771,8 @@
             </a:r>
             <a:r>
               <a:rPr lang="zh-TW" altLang="en-US" sz="4800" dirty="0">
-                <a:latin typeface="Consolas" panose="020B0609020204030204" pitchFamily="49" charset="0"/>
+                <a:latin typeface="微軟正黑體" panose="020B0604030504040204" pitchFamily="34" charset="-120"/>
+                <a:ea typeface="微軟正黑體" panose="020B0604030504040204" pitchFamily="34" charset="-120"/>
                 <a:cs typeface="Consolas" panose="020B0609020204030204" pitchFamily="49" charset="0"/>
               </a:rPr>
               <a:t>名字</a:t>
@@ -7782,7 +7809,8 @@
             </a:r>
             <a:r>
               <a:rPr lang="zh-TW" altLang="en-US" sz="4800" dirty="0">
-                <a:latin typeface="Consolas" panose="020B0609020204030204" pitchFamily="49" charset="0"/>
+                <a:latin typeface="微軟正黑體" panose="020B0604030504040204" pitchFamily="34" charset="-120"/>
+                <a:ea typeface="微軟正黑體" panose="020B0604030504040204" pitchFamily="34" charset="-120"/>
                 <a:cs typeface="Consolas" panose="020B0609020204030204" pitchFamily="49" charset="0"/>
               </a:rPr>
               <a:t>路徑</a:t>
@@ -8050,7 +8078,8 @@
             </a:r>
             <a:r>
               <a:rPr lang="zh-TW" altLang="en-US" sz="4400" dirty="0">
-                <a:latin typeface="Consolas" panose="020B0609020204030204" pitchFamily="49" charset="0"/>
+                <a:latin typeface="微軟正黑體" panose="020B0604030504040204" pitchFamily="34" charset="-120"/>
+                <a:ea typeface="微軟正黑體" panose="020B0604030504040204" pitchFamily="34" charset="-120"/>
                 <a:cs typeface="Consolas" panose="020B0609020204030204" pitchFamily="49" charset="0"/>
               </a:rPr>
               <a:t>建立遊戲內容以及各種初始設定</a:t>
@@ -9097,7 +9126,8 @@
             </a:r>
             <a:r>
               <a:rPr lang="zh-TW" altLang="en-US" sz="3200" dirty="0">
-                <a:latin typeface="Consolas" panose="020B0609020204030204" pitchFamily="49" charset="0"/>
+                <a:latin typeface="微軟正黑體" panose="020B0604030504040204" pitchFamily="34" charset="-120"/>
+                <a:ea typeface="微軟正黑體" panose="020B0604030504040204" pitchFamily="34" charset="-120"/>
                 <a:cs typeface="Consolas" panose="020B0609020204030204" pitchFamily="49" charset="0"/>
               </a:rPr>
               <a:t>設置砲彈下次射擊時間</a:t>

--- a/02_fire/Phaser.pptx
+++ b/02_fire/Phaser.pptx
@@ -6387,11 +6387,18 @@
           <a:lstStyle/>
           <a:p>
             <a:r>
+              <a:rPr lang="en-US" altLang="zh-TW" sz="4000" dirty="0" err="1">
+                <a:latin typeface="Consolas" panose="020B0609020204030204" pitchFamily="49" charset="0"/>
+                <a:cs typeface="Consolas" panose="020B0609020204030204" pitchFamily="49" charset="0"/>
+              </a:rPr>
+              <a:t>v</a:t>
+            </a:r>
+            <a:r>
               <a:rPr lang="en-US" altLang="zh-TW" sz="4000" dirty="0" err="1" smtClean="0">
                 <a:latin typeface="Consolas" panose="020B0609020204030204" pitchFamily="49" charset="0"/>
                 <a:cs typeface="Consolas" panose="020B0609020204030204" pitchFamily="49" charset="0"/>
               </a:rPr>
-              <a:t>Var</a:t>
+              <a:t>ar</a:t>
             </a:r>
             <a:r>
               <a:rPr lang="en-US" altLang="zh-TW" sz="4000" dirty="0" smtClean="0">
@@ -6419,12 +6426,15 @@
                 <a:latin typeface="Consolas" panose="020B0609020204030204" pitchFamily="49" charset="0"/>
                 <a:cs typeface="Consolas" panose="020B0609020204030204" pitchFamily="49" charset="0"/>
               </a:rPr>
-              <a:t>thia.phaser</a:t>
-            </a:r>
-            <a:endParaRPr lang="en-US" altLang="zh-TW" sz="4000" dirty="0" smtClean="0">
-              <a:latin typeface="Consolas" panose="020B0609020204030204" pitchFamily="49" charset="0"/>
-              <a:cs typeface="Consolas" panose="020B0609020204030204" pitchFamily="49" charset="0"/>
-            </a:endParaRPr>
+              <a:t>this.phaser</a:t>
+            </a:r>
+            <a:r>
+              <a:rPr lang="en-US" altLang="zh-TW" sz="4000" dirty="0" smtClean="0">
+                <a:latin typeface="Consolas" panose="020B0609020204030204" pitchFamily="49" charset="0"/>
+                <a:cs typeface="Consolas" panose="020B0609020204030204" pitchFamily="49" charset="0"/>
+              </a:rPr>
+              <a:t>;</a:t>
+            </a:r>
           </a:p>
           <a:p>
             <a:r>
@@ -6691,10 +6701,64 @@
                 <a:latin typeface="Consolas" panose="020B0609020204030204" pitchFamily="49" charset="0"/>
                 <a:cs typeface="Consolas" panose="020B0609020204030204" pitchFamily="49" charset="0"/>
               </a:rPr>
-              <a:t>(0.5, 0.5);</a:t>
+              <a:t>(0.5, 0.5</a:t>
+            </a:r>
+            <a:r>
+              <a:rPr lang="en-US" altLang="zh-TW" sz="4400" dirty="0" smtClean="0">
+                <a:latin typeface="Consolas" panose="020B0609020204030204" pitchFamily="49" charset="0"/>
+                <a:cs typeface="Consolas" panose="020B0609020204030204" pitchFamily="49" charset="0"/>
+              </a:rPr>
+              <a:t>);</a:t>
+            </a:r>
+            <a:br>
+              <a:rPr lang="en-US" altLang="zh-TW" sz="4400" dirty="0" smtClean="0">
+                <a:latin typeface="Consolas" panose="020B0609020204030204" pitchFamily="49" charset="0"/>
+                <a:cs typeface="Consolas" panose="020B0609020204030204" pitchFamily="49" charset="0"/>
+              </a:rPr>
+            </a:br>
+            <a:r>
+              <a:rPr lang="en-US" altLang="zh-TW" sz="4400" dirty="0" err="1" smtClean="0">
+                <a:latin typeface="微軟正黑體" panose="020B0604030504040204" pitchFamily="34" charset="-120"/>
+                <a:ea typeface="微軟正黑體" panose="020B0604030504040204" pitchFamily="34" charset="-120"/>
+                <a:cs typeface="Consolas" panose="020B0609020204030204" pitchFamily="49" charset="0"/>
+              </a:rPr>
+              <a:t>ps</a:t>
+            </a:r>
+            <a:r>
+              <a:rPr lang="en-US" altLang="zh-TW" sz="4400" dirty="0" smtClean="0">
+                <a:latin typeface="微軟正黑體" panose="020B0604030504040204" pitchFamily="34" charset="-120"/>
+                <a:ea typeface="微軟正黑體" panose="020B0604030504040204" pitchFamily="34" charset="-120"/>
+                <a:cs typeface="Consolas" panose="020B0609020204030204" pitchFamily="49" charset="0"/>
+              </a:rPr>
+              <a:t>:</a:t>
+            </a:r>
+            <a:r>
+              <a:rPr lang="zh-TW" altLang="en-US" sz="4400" dirty="0" smtClean="0">
+                <a:latin typeface="微軟正黑體" panose="020B0604030504040204" pitchFamily="34" charset="-120"/>
+                <a:ea typeface="微軟正黑體" panose="020B0604030504040204" pitchFamily="34" charset="-120"/>
+                <a:cs typeface="Consolas" panose="020B0609020204030204" pitchFamily="49" charset="0"/>
+              </a:rPr>
+              <a:t>只要一個</a:t>
+            </a:r>
+            <a:r>
+              <a:rPr lang="en-US" altLang="zh-TW" sz="4400" dirty="0" smtClean="0">
+                <a:latin typeface="微軟正黑體" panose="020B0604030504040204" pitchFamily="34" charset="-120"/>
+                <a:ea typeface="微軟正黑體" panose="020B0604030504040204" pitchFamily="34" charset="-120"/>
+                <a:cs typeface="Consolas" panose="020B0609020204030204" pitchFamily="49" charset="0"/>
+              </a:rPr>
+              <a:t>(0.5)</a:t>
+            </a:r>
+            <a:r>
+              <a:rPr lang="zh-TW" altLang="en-US" sz="4400" dirty="0" smtClean="0">
+                <a:latin typeface="微軟正黑體" panose="020B0604030504040204" pitchFamily="34" charset="-120"/>
+                <a:ea typeface="微軟正黑體" panose="020B0604030504040204" pitchFamily="34" charset="-120"/>
+                <a:cs typeface="Consolas" panose="020B0609020204030204" pitchFamily="49" charset="0"/>
+              </a:rPr>
+              <a:t>也可呦</a:t>
             </a:r>
             <a:endParaRPr lang="zh-TW" altLang="en-US" sz="4400" dirty="0">
-              <a:latin typeface="Consolas" panose="020B0609020204030204" pitchFamily="49" charset="0"/>
+              <a:latin typeface="微軟正黑體" panose="020B0604030504040204" pitchFamily="34" charset="-120"/>
+              <a:ea typeface="微軟正黑體" panose="020B0604030504040204" pitchFamily="34" charset="-120"/>
               <a:cs typeface="Consolas" panose="020B0609020204030204" pitchFamily="49" charset="0"/>
             </a:endParaRPr>
           </a:p>
@@ -7215,7 +7279,14 @@
                 <a:latin typeface="Consolas" panose="020B0609020204030204" pitchFamily="49" charset="0"/>
                 <a:cs typeface="Consolas" panose="020B0609020204030204" pitchFamily="49" charset="0"/>
               </a:rPr>
-              <a:t> = true</a:t>
+              <a:t> = </a:t>
+            </a:r>
+            <a:r>
+              <a:rPr lang="en-US" altLang="zh-TW" sz="4400" dirty="0" smtClean="0">
+                <a:latin typeface="Consolas" panose="020B0609020204030204" pitchFamily="49" charset="0"/>
+                <a:cs typeface="Consolas" panose="020B0609020204030204" pitchFamily="49" charset="0"/>
+              </a:rPr>
+              <a:t>true;</a:t>
             </a:r>
             <a:endParaRPr lang="zh-TW" altLang="en-US" sz="4400" dirty="0">
               <a:latin typeface="Consolas" panose="020B0609020204030204" pitchFamily="49" charset="0"/>
@@ -7395,11 +7466,18 @@
               <a:buNone/>
             </a:pPr>
             <a:r>
+              <a:rPr lang="en-US" altLang="zh-TW" sz="4000" dirty="0" err="1">
+                <a:latin typeface="Consolas" panose="020B0609020204030204" pitchFamily="49" charset="0"/>
+                <a:cs typeface="Consolas" panose="020B0609020204030204" pitchFamily="49" charset="0"/>
+              </a:rPr>
+              <a:t>t</a:t>
+            </a:r>
+            <a:r>
               <a:rPr lang="en-US" altLang="zh-TW" sz="4000" dirty="0" err="1" smtClean="0">
                 <a:latin typeface="Consolas" panose="020B0609020204030204" pitchFamily="49" charset="0"/>
                 <a:cs typeface="Consolas" panose="020B0609020204030204" pitchFamily="49" charset="0"/>
               </a:rPr>
-              <a:t>game.input.keyboard.isDown</a:t>
+              <a:t>his.phaser.input.keyboard.isDown</a:t>
             </a:r>
             <a:r>
               <a:rPr lang="en-US" altLang="zh-TW" sz="4000" dirty="0" smtClean="0">
@@ -7428,18 +7506,11 @@
               <a:buNone/>
             </a:pPr>
             <a:r>
-              <a:rPr lang="en-US" altLang="zh-TW" sz="4000" smtClean="0">
-                <a:latin typeface="Consolas" panose="020B0609020204030204" pitchFamily="49" charset="0"/>
-                <a:cs typeface="Consolas" panose="020B0609020204030204" pitchFamily="49" charset="0"/>
-              </a:rPr>
-              <a:t>keyboard</a:t>
-            </a:r>
-            <a:r>
               <a:rPr lang="en-US" altLang="zh-TW" sz="4000" dirty="0" smtClean="0">
                 <a:latin typeface="Consolas" panose="020B0609020204030204" pitchFamily="49" charset="0"/>
                 <a:cs typeface="Consolas" panose="020B0609020204030204" pitchFamily="49" charset="0"/>
               </a:rPr>
-              <a:t>._)</a:t>
+              <a:t>keyboard._);</a:t>
             </a:r>
             <a:endParaRPr lang="zh-TW" altLang="en-US" sz="4000" dirty="0">
               <a:latin typeface="Consolas" panose="020B0609020204030204" pitchFamily="49" charset="0"/>
@@ -7875,18 +7946,11 @@
           <a:lstStyle/>
           <a:p>
             <a:r>
-              <a:rPr lang="en-US" altLang="zh-TW" sz="4400" dirty="0">
-                <a:latin typeface="Consolas" panose="020B0609020204030204" pitchFamily="49" charset="0"/>
-                <a:cs typeface="Consolas" panose="020B0609020204030204" pitchFamily="49" charset="0"/>
-              </a:rPr>
-              <a:t> </a:t>
-            </a:r>
-            <a:r>
-              <a:rPr lang="en-US" altLang="zh-TW" sz="4400" dirty="0" err="1">
-                <a:latin typeface="Consolas" panose="020B0609020204030204" pitchFamily="49" charset="0"/>
-                <a:cs typeface="Consolas" panose="020B0609020204030204" pitchFamily="49" charset="0"/>
-              </a:rPr>
-              <a:t>game.load.image</a:t>
+              <a:rPr lang="en-US" altLang="zh-TW" sz="4400" dirty="0" err="1" smtClean="0">
+                <a:latin typeface="Consolas" panose="020B0609020204030204" pitchFamily="49" charset="0"/>
+                <a:cs typeface="Consolas" panose="020B0609020204030204" pitchFamily="49" charset="0"/>
+              </a:rPr>
+              <a:t>phaser.load.image</a:t>
             </a:r>
             <a:r>
               <a:rPr lang="en-US" altLang="zh-TW" sz="4400" dirty="0">
@@ -8534,7 +8598,7 @@
           <a:bodyPr/>
           <a:lstStyle/>
           <a:p>
-            <a:endParaRPr lang="zh-TW" altLang="en-US"/>
+            <a:endParaRPr lang="zh-TW" altLang="en-US" dirty="0"/>
           </a:p>
         </p:txBody>
       </p:sp>
@@ -8949,28 +9013,28 @@
                 <a:latin typeface="Consolas" panose="020B0609020204030204" pitchFamily="49" charset="0"/>
                 <a:cs typeface="Consolas" panose="020B0609020204030204" pitchFamily="49" charset="0"/>
               </a:rPr>
-              <a:t>if (</a:t>
-            </a:r>
-            <a:r>
-              <a:rPr lang="en-US" altLang="zh-TW" sz="3200" dirty="0" err="1">
-                <a:latin typeface="Consolas" panose="020B0609020204030204" pitchFamily="49" charset="0"/>
-                <a:cs typeface="Consolas" panose="020B0609020204030204" pitchFamily="49" charset="0"/>
-              </a:rPr>
-              <a:t>game.input.activePointer.isDown</a:t>
-            </a:r>
-            <a:r>
-              <a:rPr lang="en-US" altLang="zh-TW" sz="3200" dirty="0">
-                <a:latin typeface="Consolas" panose="020B0609020204030204" pitchFamily="49" charset="0"/>
-                <a:cs typeface="Consolas" panose="020B0609020204030204" pitchFamily="49" charset="0"/>
-              </a:rPr>
-              <a:t> </a:t>
+              <a:t>if </a:t>
             </a:r>
             <a:r>
               <a:rPr lang="en-US" altLang="zh-TW" sz="3200" dirty="0" smtClean="0">
                 <a:latin typeface="Consolas" panose="020B0609020204030204" pitchFamily="49" charset="0"/>
                 <a:cs typeface="Consolas" panose="020B0609020204030204" pitchFamily="49" charset="0"/>
               </a:rPr>
-              <a:t>&amp;&amp; </a:t>
+              <a:t>(</a:t>
+            </a:r>
+            <a:r>
+              <a:rPr lang="en-US" altLang="zh-TW" sz="3200" dirty="0" err="1" smtClean="0">
+                <a:latin typeface="Consolas" panose="020B0609020204030204" pitchFamily="49" charset="0"/>
+                <a:cs typeface="Consolas" panose="020B0609020204030204" pitchFamily="49" charset="0"/>
+              </a:rPr>
+              <a:t>this.phaser.input.activePointer.isDown</a:t>
+            </a:r>
+            <a:r>
+              <a:rPr lang="en-US" altLang="zh-TW" sz="3200" dirty="0" smtClean="0">
+                <a:latin typeface="Consolas" panose="020B0609020204030204" pitchFamily="49" charset="0"/>
+                <a:cs typeface="Consolas" panose="020B0609020204030204" pitchFamily="49" charset="0"/>
+              </a:rPr>
+              <a:t> &amp;&amp; </a:t>
             </a:r>
           </a:p>
           <a:p>
